--- a/UML_creation1.pptx
+++ b/UML_creation1.pptx
@@ -7,6 +7,7 @@
   <p:sldIdLst>
     <p:sldId id="256" r:id="rId2"/>
     <p:sldId id="257" r:id="rId3"/>
+    <p:sldId id="258" r:id="rId4"/>
   </p:sldIdLst>
   <p:sldSz cx="8120063" cy="10826750" type="B4ISO"/>
   <p:notesSz cx="6858000" cy="9144000"/>
@@ -105,6 +106,11 @@
       </a:defRPr>
     </a:lvl9pPr>
   </p:defaultTextStyle>
+  <p:extLst>
+    <p:ext uri="{EFAFB233-063F-42B5-8137-9DF3F51BA10A}">
+      <p15:sldGuideLst xmlns:p15="http://schemas.microsoft.com/office/powerpoint/2012/main"/>
+    </p:ext>
+  </p:extLst>
 </p:presentation>
 </file>
 
@@ -239,7 +245,7 @@
           <a:p>
             <a:fld id="{F65A5ED1-027C-4D64-BE6F-F3C5E5709089}" type="datetimeFigureOut">
               <a:rPr lang="en-GB" smtClean="0"/>
-              <a:t>20/01/2020</a:t>
+              <a:t>21/01/2020</a:t>
             </a:fld>
             <a:endParaRPr lang="en-GB"/>
           </a:p>
@@ -409,7 +415,7 @@
           <a:p>
             <a:fld id="{F65A5ED1-027C-4D64-BE6F-F3C5E5709089}" type="datetimeFigureOut">
               <a:rPr lang="en-GB" smtClean="0"/>
-              <a:t>20/01/2020</a:t>
+              <a:t>21/01/2020</a:t>
             </a:fld>
             <a:endParaRPr lang="en-GB"/>
           </a:p>
@@ -589,7 +595,7 @@
           <a:p>
             <a:fld id="{F65A5ED1-027C-4D64-BE6F-F3C5E5709089}" type="datetimeFigureOut">
               <a:rPr lang="en-GB" smtClean="0"/>
-              <a:t>20/01/2020</a:t>
+              <a:t>21/01/2020</a:t>
             </a:fld>
             <a:endParaRPr lang="en-GB"/>
           </a:p>
@@ -759,7 +765,7 @@
           <a:p>
             <a:fld id="{F65A5ED1-027C-4D64-BE6F-F3C5E5709089}" type="datetimeFigureOut">
               <a:rPr lang="en-GB" smtClean="0"/>
-              <a:t>20/01/2020</a:t>
+              <a:t>21/01/2020</a:t>
             </a:fld>
             <a:endParaRPr lang="en-GB"/>
           </a:p>
@@ -1003,7 +1009,7 @@
           <a:p>
             <a:fld id="{F65A5ED1-027C-4D64-BE6F-F3C5E5709089}" type="datetimeFigureOut">
               <a:rPr lang="en-GB" smtClean="0"/>
-              <a:t>20/01/2020</a:t>
+              <a:t>21/01/2020</a:t>
             </a:fld>
             <a:endParaRPr lang="en-GB"/>
           </a:p>
@@ -1235,7 +1241,7 @@
           <a:p>
             <a:fld id="{F65A5ED1-027C-4D64-BE6F-F3C5E5709089}" type="datetimeFigureOut">
               <a:rPr lang="en-GB" smtClean="0"/>
-              <a:t>20/01/2020</a:t>
+              <a:t>21/01/2020</a:t>
             </a:fld>
             <a:endParaRPr lang="en-GB"/>
           </a:p>
@@ -1602,7 +1608,7 @@
           <a:p>
             <a:fld id="{F65A5ED1-027C-4D64-BE6F-F3C5E5709089}" type="datetimeFigureOut">
               <a:rPr lang="en-GB" smtClean="0"/>
-              <a:t>20/01/2020</a:t>
+              <a:t>21/01/2020</a:t>
             </a:fld>
             <a:endParaRPr lang="en-GB"/>
           </a:p>
@@ -1720,7 +1726,7 @@
           <a:p>
             <a:fld id="{F65A5ED1-027C-4D64-BE6F-F3C5E5709089}" type="datetimeFigureOut">
               <a:rPr lang="en-GB" smtClean="0"/>
-              <a:t>20/01/2020</a:t>
+              <a:t>21/01/2020</a:t>
             </a:fld>
             <a:endParaRPr lang="en-GB"/>
           </a:p>
@@ -1815,7 +1821,7 @@
           <a:p>
             <a:fld id="{F65A5ED1-027C-4D64-BE6F-F3C5E5709089}" type="datetimeFigureOut">
               <a:rPr lang="en-GB" smtClean="0"/>
-              <a:t>20/01/2020</a:t>
+              <a:t>21/01/2020</a:t>
             </a:fld>
             <a:endParaRPr lang="en-GB"/>
           </a:p>
@@ -2092,7 +2098,7 @@
           <a:p>
             <a:fld id="{F65A5ED1-027C-4D64-BE6F-F3C5E5709089}" type="datetimeFigureOut">
               <a:rPr lang="en-GB" smtClean="0"/>
-              <a:t>20/01/2020</a:t>
+              <a:t>21/01/2020</a:t>
             </a:fld>
             <a:endParaRPr lang="en-GB"/>
           </a:p>
@@ -2349,7 +2355,7 @@
           <a:p>
             <a:fld id="{F65A5ED1-027C-4D64-BE6F-F3C5E5709089}" type="datetimeFigureOut">
               <a:rPr lang="en-GB" smtClean="0"/>
-              <a:t>20/01/2020</a:t>
+              <a:t>21/01/2020</a:t>
             </a:fld>
             <a:endParaRPr lang="en-GB"/>
           </a:p>
@@ -2562,7 +2568,7 @@
           <a:p>
             <a:fld id="{F65A5ED1-027C-4D64-BE6F-F3C5E5709089}" type="datetimeFigureOut">
               <a:rPr lang="en-GB" smtClean="0"/>
-              <a:t>20/01/2020</a:t>
+              <a:t>21/01/2020</a:t>
             </a:fld>
             <a:endParaRPr lang="en-GB"/>
           </a:p>
@@ -3302,7 +3308,7 @@
               <a:gd name="adj1" fmla="val 30007"/>
             </a:avLst>
           </a:prstGeom>
-          <a:ln>
+          <a:ln w="12700">
             <a:solidFill>
               <a:schemeClr val="tx1"/>
             </a:solidFill>
@@ -3350,7 +3356,7 @@
               <a:gd name="adj1" fmla="val 30006"/>
             </a:avLst>
           </a:prstGeom>
-          <a:ln>
+          <a:ln w="12700">
             <a:solidFill>
               <a:schemeClr val="tx1"/>
             </a:solidFill>
@@ -3396,7 +3402,7 @@
           <a:prstGeom prst="straightConnector1">
             <a:avLst/>
           </a:prstGeom>
-          <a:ln>
+          <a:ln w="12700">
             <a:solidFill>
               <a:schemeClr val="tx1"/>
             </a:solidFill>
@@ -3493,7 +3499,7 @@
           <a:prstGeom prst="straightConnector1">
             <a:avLst/>
           </a:prstGeom>
-          <a:ln>
+          <a:ln w="12700">
             <a:solidFill>
               <a:schemeClr val="tx1"/>
             </a:solidFill>
@@ -3625,7 +3631,7 @@
           <a:prstGeom prst="straightConnector1">
             <a:avLst/>
           </a:prstGeom>
-          <a:ln>
+          <a:ln w="12700">
             <a:solidFill>
               <a:schemeClr val="tx1"/>
             </a:solidFill>
@@ -3795,7 +3801,7 @@
           <a:prstGeom prst="straightConnector1">
             <a:avLst/>
           </a:prstGeom>
-          <a:ln>
+          <a:ln w="12700">
             <a:tailEnd type="triangle"/>
           </a:ln>
         </p:spPr>
@@ -3978,7 +3984,7 @@
           <a:prstGeom prst="straightConnector1">
             <a:avLst/>
           </a:prstGeom>
-          <a:ln>
+          <a:ln w="12700">
             <a:tailEnd type="triangle"/>
           </a:ln>
         </p:spPr>
@@ -4231,7 +4237,7 @@
           <a:prstGeom prst="straightConnector1">
             <a:avLst/>
           </a:prstGeom>
-          <a:ln>
+          <a:ln w="12700">
             <a:tailEnd type="triangle"/>
           </a:ln>
         </p:spPr>
@@ -4272,7 +4278,7 @@
           <a:prstGeom prst="straightConnector1">
             <a:avLst/>
           </a:prstGeom>
-          <a:ln>
+          <a:ln w="12700">
             <a:tailEnd type="triangle"/>
           </a:ln>
         </p:spPr>
@@ -4365,7 +4371,7 @@
           <a:prstGeom prst="straightConnector1">
             <a:avLst/>
           </a:prstGeom>
-          <a:ln>
+          <a:ln w="12700">
             <a:tailEnd type="triangle"/>
           </a:ln>
         </p:spPr>
@@ -4407,7 +4413,7 @@
           <a:prstGeom prst="straightConnector1">
             <a:avLst/>
           </a:prstGeom>
-          <a:ln>
+          <a:ln w="12700">
             <a:tailEnd type="triangle"/>
           </a:ln>
         </p:spPr>
@@ -4450,7 +4456,7 @@
           <a:prstGeom prst="straightConnector1">
             <a:avLst/>
           </a:prstGeom>
-          <a:ln>
+          <a:ln w="12700">
             <a:tailEnd type="triangle"/>
           </a:ln>
         </p:spPr>
@@ -4492,7 +4498,7 @@
           <a:prstGeom prst="bentConnector2">
             <a:avLst/>
           </a:prstGeom>
-          <a:ln>
+          <a:ln w="12700">
             <a:tailEnd type="triangle"/>
           </a:ln>
         </p:spPr>
@@ -4613,7 +4619,7 @@
               <a:gd name="adj1" fmla="val -22860000000"/>
             </a:avLst>
           </a:prstGeom>
-          <a:ln>
+          <a:ln w="12700">
             <a:solidFill>
               <a:schemeClr val="tx1"/>
             </a:solidFill>
@@ -4658,7 +4664,7 @@
           <a:prstGeom prst="bentConnector3">
             <a:avLst/>
           </a:prstGeom>
-          <a:ln>
+          <a:ln w="12700">
             <a:tailEnd type="triangle"/>
           </a:ln>
         </p:spPr>
@@ -4702,7 +4708,7 @@
               <a:gd name="adj1" fmla="val 50000"/>
             </a:avLst>
           </a:prstGeom>
-          <a:ln>
+          <a:ln w="12700">
             <a:tailEnd type="triangle"/>
           </a:ln>
         </p:spPr>
@@ -4785,6 +4791,66 @@
     <p:extLst>
       <p:ext uri="{BB962C8B-B14F-4D97-AF65-F5344CB8AC3E}">
         <p14:creationId xmlns:p14="http://schemas.microsoft.com/office/powerpoint/2010/main" val="1329455554"/>
+      </p:ext>
+    </p:extLst>
+  </p:cSld>
+  <p:clrMapOvr>
+    <a:masterClrMapping/>
+  </p:clrMapOvr>
+</p:sld>
+</file>
+
+<file path=ppt/slides/slide3.xml><?xml version="1.0" encoding="utf-8"?>
+<p:sld xmlns:a="http://schemas.openxmlformats.org/drawingml/2006/main" xmlns:r="http://schemas.openxmlformats.org/officeDocument/2006/relationships" xmlns:p="http://schemas.openxmlformats.org/presentationml/2006/main">
+  <p:cSld>
+    <p:spTree>
+      <p:nvGrpSpPr>
+        <p:cNvPr id="1" name=""/>
+        <p:cNvGrpSpPr/>
+        <p:nvPr/>
+      </p:nvGrpSpPr>
+      <p:grpSpPr>
+        <a:xfrm>
+          <a:off x="0" y="0"/>
+          <a:ext cx="0" cy="0"/>
+          <a:chOff x="0" y="0"/>
+          <a:chExt cx="0" cy="0"/>
+        </a:xfrm>
+      </p:grpSpPr>
+      <p:pic>
+        <p:nvPicPr>
+          <p:cNvPr id="2" name="Picture 1">
+            <a:extLst>
+              <a:ext uri="{FF2B5EF4-FFF2-40B4-BE49-F238E27FC236}">
+                <a16:creationId xmlns:a16="http://schemas.microsoft.com/office/drawing/2014/main" id="{479BDD68-78F9-46A9-B48A-7C57CBDF7F86}"/>
+              </a:ext>
+            </a:extLst>
+          </p:cNvPr>
+          <p:cNvPicPr>
+            <a:picLocks noChangeAspect="1"/>
+          </p:cNvPicPr>
+          <p:nvPr/>
+        </p:nvPicPr>
+        <p:blipFill>
+          <a:blip r:embed="rId2"/>
+          <a:stretch>
+            <a:fillRect/>
+          </a:stretch>
+        </p:blipFill>
+        <p:spPr>
+          <a:xfrm>
+            <a:off x="1386703" y="2575441"/>
+            <a:ext cx="5346655" cy="5675868"/>
+          </a:xfrm>
+          <a:prstGeom prst="rect">
+            <a:avLst/>
+          </a:prstGeom>
+        </p:spPr>
+      </p:pic>
+    </p:spTree>
+    <p:extLst>
+      <p:ext uri="{BB962C8B-B14F-4D97-AF65-F5344CB8AC3E}">
+        <p14:creationId xmlns:p14="http://schemas.microsoft.com/office/powerpoint/2010/main" val="3019530008"/>
       </p:ext>
     </p:extLst>
   </p:cSld>
